--- a/ppt 16-9/0454.警醒做工迎主再.pptx
+++ b/ppt 16-9/0454.警醒做工迎主再.pptx
@@ -5,7 +5,7 @@
     <p:sldMasterId id="2147483648" r:id="rId1"/>
   </p:sldMasterIdLst>
   <p:sldIdLst>
-    <p:sldId id="2947" r:id="rId2"/>
+    <p:sldId id="2948" r:id="rId2"/>
   </p:sldIdLst>
   <p:sldSz cx="12192000" cy="6858000"/>
   <p:notesSz cx="6858000" cy="9144000"/>
@@ -129,7 +129,7 @@
           <p:cNvPr id="2" name="标题 1">
             <a:extLst>
               <a:ext uri="{FF2B5EF4-FFF2-40B4-BE49-F238E27FC236}">
-                <a16:creationId xmlns:a16="http://schemas.microsoft.com/office/drawing/2014/main" id="{272FDFC1-CF3E-05A2-D838-521A4B5FF33B}"/>
+                <a16:creationId xmlns:a16="http://schemas.microsoft.com/office/drawing/2014/main" id="{73346228-3F93-D3FB-D69D-54D3658DC081}"/>
               </a:ext>
             </a:extLst>
           </p:cNvPr>
@@ -166,7 +166,7 @@
           <p:cNvPr id="3" name="副标题 2">
             <a:extLst>
               <a:ext uri="{FF2B5EF4-FFF2-40B4-BE49-F238E27FC236}">
-                <a16:creationId xmlns:a16="http://schemas.microsoft.com/office/drawing/2014/main" id="{5FF9DD92-5E5C-2CF6-D8E5-FD4C91592DE1}"/>
+                <a16:creationId xmlns:a16="http://schemas.microsoft.com/office/drawing/2014/main" id="{B885E4E0-05D0-A6E5-6753-41715E4AD03E}"/>
               </a:ext>
             </a:extLst>
           </p:cNvPr>
@@ -236,7 +236,7 @@
           <p:cNvPr id="4" name="日期占位符 3">
             <a:extLst>
               <a:ext uri="{FF2B5EF4-FFF2-40B4-BE49-F238E27FC236}">
-                <a16:creationId xmlns:a16="http://schemas.microsoft.com/office/drawing/2014/main" id="{349C81AB-7BE5-BC4C-EA95-2F4555924E8E}"/>
+                <a16:creationId xmlns:a16="http://schemas.microsoft.com/office/drawing/2014/main" id="{7DA0D0AB-70F0-9C17-23A4-E3437C2337E0}"/>
               </a:ext>
             </a:extLst>
           </p:cNvPr>
@@ -252,7 +252,7 @@
           <a:bodyPr/>
           <a:lstStyle/>
           <a:p>
-            <a:fld id="{7DB7A095-B75B-41B9-9485-EA1C9B3F0143}" type="datetimeFigureOut">
+            <a:fld id="{C576EB47-28FE-4C3D-B601-12291E432918}" type="datetimeFigureOut">
               <a:rPr lang="zh-CN" altLang="en-US" smtClean="0"/>
               <a:t>2024/3/10</a:t>
             </a:fld>
@@ -265,7 +265,7 @@
           <p:cNvPr id="5" name="页脚占位符 4">
             <a:extLst>
               <a:ext uri="{FF2B5EF4-FFF2-40B4-BE49-F238E27FC236}">
-                <a16:creationId xmlns:a16="http://schemas.microsoft.com/office/drawing/2014/main" id="{BFCC7B91-8046-4FDE-A32F-111B8B20F40C}"/>
+                <a16:creationId xmlns:a16="http://schemas.microsoft.com/office/drawing/2014/main" id="{0281BE48-02B6-2818-71AF-FB173F906FEC}"/>
               </a:ext>
             </a:extLst>
           </p:cNvPr>
@@ -290,7 +290,7 @@
           <p:cNvPr id="6" name="灯片编号占位符 5">
             <a:extLst>
               <a:ext uri="{FF2B5EF4-FFF2-40B4-BE49-F238E27FC236}">
-                <a16:creationId xmlns:a16="http://schemas.microsoft.com/office/drawing/2014/main" id="{E58DB0EF-7721-63D7-0406-24EAEF2F28CC}"/>
+                <a16:creationId xmlns:a16="http://schemas.microsoft.com/office/drawing/2014/main" id="{849E7E3C-C759-BD57-7095-DCF132C5D53A}"/>
               </a:ext>
             </a:extLst>
           </p:cNvPr>
@@ -306,7 +306,7 @@
           <a:bodyPr/>
           <a:lstStyle/>
           <a:p>
-            <a:fld id="{D4243E17-13EA-46AB-AB7B-BEFB1047338C}" type="slidenum">
+            <a:fld id="{74F84085-5A91-40A8-9693-073629A69872}" type="slidenum">
               <a:rPr lang="zh-CN" altLang="en-US" smtClean="0"/>
               <a:t>‹#›</a:t>
             </a:fld>
@@ -317,7 +317,7 @@
     </p:spTree>
     <p:extLst>
       <p:ext uri="{BB962C8B-B14F-4D97-AF65-F5344CB8AC3E}">
-        <p14:creationId xmlns:p14="http://schemas.microsoft.com/office/powerpoint/2010/main" val="2995749069"/>
+        <p14:creationId xmlns:p14="http://schemas.microsoft.com/office/powerpoint/2010/main" val="862722207"/>
       </p:ext>
     </p:extLst>
   </p:cSld>
@@ -349,7 +349,7 @@
           <p:cNvPr id="2" name="标题 1">
             <a:extLst>
               <a:ext uri="{FF2B5EF4-FFF2-40B4-BE49-F238E27FC236}">
-                <a16:creationId xmlns:a16="http://schemas.microsoft.com/office/drawing/2014/main" id="{BD440177-D7B1-088C-7E2F-E7EEDBA2CC5B}"/>
+                <a16:creationId xmlns:a16="http://schemas.microsoft.com/office/drawing/2014/main" id="{0BEDB72C-8446-D403-277C-E015DF15CAC3}"/>
               </a:ext>
             </a:extLst>
           </p:cNvPr>
@@ -377,7 +377,7 @@
           <p:cNvPr id="3" name="竖排文字占位符 2">
             <a:extLst>
               <a:ext uri="{FF2B5EF4-FFF2-40B4-BE49-F238E27FC236}">
-                <a16:creationId xmlns:a16="http://schemas.microsoft.com/office/drawing/2014/main" id="{5EB7C977-9AE6-A188-52BA-42F69E1B1C88}"/>
+                <a16:creationId xmlns:a16="http://schemas.microsoft.com/office/drawing/2014/main" id="{37415BD0-8074-CB1A-41B2-0AB920B92164}"/>
               </a:ext>
             </a:extLst>
           </p:cNvPr>
@@ -434,7 +434,7 @@
           <p:cNvPr id="4" name="日期占位符 3">
             <a:extLst>
               <a:ext uri="{FF2B5EF4-FFF2-40B4-BE49-F238E27FC236}">
-                <a16:creationId xmlns:a16="http://schemas.microsoft.com/office/drawing/2014/main" id="{DB383D90-4F4B-5141-B753-74F0AA4798B4}"/>
+                <a16:creationId xmlns:a16="http://schemas.microsoft.com/office/drawing/2014/main" id="{77691A89-36FD-113A-085B-7259969E5511}"/>
               </a:ext>
             </a:extLst>
           </p:cNvPr>
@@ -450,7 +450,7 @@
           <a:bodyPr/>
           <a:lstStyle/>
           <a:p>
-            <a:fld id="{7DB7A095-B75B-41B9-9485-EA1C9B3F0143}" type="datetimeFigureOut">
+            <a:fld id="{C576EB47-28FE-4C3D-B601-12291E432918}" type="datetimeFigureOut">
               <a:rPr lang="zh-CN" altLang="en-US" smtClean="0"/>
               <a:t>2024/3/10</a:t>
             </a:fld>
@@ -463,7 +463,7 @@
           <p:cNvPr id="5" name="页脚占位符 4">
             <a:extLst>
               <a:ext uri="{FF2B5EF4-FFF2-40B4-BE49-F238E27FC236}">
-                <a16:creationId xmlns:a16="http://schemas.microsoft.com/office/drawing/2014/main" id="{C48DE3F3-52EE-1067-7D69-6EB9DC6D09EA}"/>
+                <a16:creationId xmlns:a16="http://schemas.microsoft.com/office/drawing/2014/main" id="{F7B75DB3-129D-1D4A-9E82-07050648B74D}"/>
               </a:ext>
             </a:extLst>
           </p:cNvPr>
@@ -488,7 +488,7 @@
           <p:cNvPr id="6" name="灯片编号占位符 5">
             <a:extLst>
               <a:ext uri="{FF2B5EF4-FFF2-40B4-BE49-F238E27FC236}">
-                <a16:creationId xmlns:a16="http://schemas.microsoft.com/office/drawing/2014/main" id="{BB7B4455-3C55-E7BF-84E4-BDEF29B75DD1}"/>
+                <a16:creationId xmlns:a16="http://schemas.microsoft.com/office/drawing/2014/main" id="{D44B54B6-FF3D-E3B2-5893-21581ECD3669}"/>
               </a:ext>
             </a:extLst>
           </p:cNvPr>
@@ -504,7 +504,7 @@
           <a:bodyPr/>
           <a:lstStyle/>
           <a:p>
-            <a:fld id="{D4243E17-13EA-46AB-AB7B-BEFB1047338C}" type="slidenum">
+            <a:fld id="{74F84085-5A91-40A8-9693-073629A69872}" type="slidenum">
               <a:rPr lang="zh-CN" altLang="en-US" smtClean="0"/>
               <a:t>‹#›</a:t>
             </a:fld>
@@ -515,7 +515,7 @@
     </p:spTree>
     <p:extLst>
       <p:ext uri="{BB962C8B-B14F-4D97-AF65-F5344CB8AC3E}">
-        <p14:creationId xmlns:p14="http://schemas.microsoft.com/office/powerpoint/2010/main" val="2994472082"/>
+        <p14:creationId xmlns:p14="http://schemas.microsoft.com/office/powerpoint/2010/main" val="1107078872"/>
       </p:ext>
     </p:extLst>
   </p:cSld>
@@ -547,7 +547,7 @@
           <p:cNvPr id="2" name="竖排标题 1">
             <a:extLst>
               <a:ext uri="{FF2B5EF4-FFF2-40B4-BE49-F238E27FC236}">
-                <a16:creationId xmlns:a16="http://schemas.microsoft.com/office/drawing/2014/main" id="{68D3D9B0-7655-34B3-4371-7CD78C0AACB4}"/>
+                <a16:creationId xmlns:a16="http://schemas.microsoft.com/office/drawing/2014/main" id="{A1CDB95B-7CE4-E566-FEDF-9924F5974AE3}"/>
               </a:ext>
             </a:extLst>
           </p:cNvPr>
@@ -580,7 +580,7 @@
           <p:cNvPr id="3" name="竖排文字占位符 2">
             <a:extLst>
               <a:ext uri="{FF2B5EF4-FFF2-40B4-BE49-F238E27FC236}">
-                <a16:creationId xmlns:a16="http://schemas.microsoft.com/office/drawing/2014/main" id="{C9EBC296-21AF-72BD-FAD5-BA114E9098B7}"/>
+                <a16:creationId xmlns:a16="http://schemas.microsoft.com/office/drawing/2014/main" id="{D61C8F72-2706-B9EC-631A-410BC5EF5D9B}"/>
               </a:ext>
             </a:extLst>
           </p:cNvPr>
@@ -642,7 +642,7 @@
           <p:cNvPr id="4" name="日期占位符 3">
             <a:extLst>
               <a:ext uri="{FF2B5EF4-FFF2-40B4-BE49-F238E27FC236}">
-                <a16:creationId xmlns:a16="http://schemas.microsoft.com/office/drawing/2014/main" id="{3F54ED76-0073-B3FB-360B-575413200F91}"/>
+                <a16:creationId xmlns:a16="http://schemas.microsoft.com/office/drawing/2014/main" id="{5B986D62-A265-7A69-47AB-2D2E7D3056A7}"/>
               </a:ext>
             </a:extLst>
           </p:cNvPr>
@@ -658,7 +658,7 @@
           <a:bodyPr/>
           <a:lstStyle/>
           <a:p>
-            <a:fld id="{7DB7A095-B75B-41B9-9485-EA1C9B3F0143}" type="datetimeFigureOut">
+            <a:fld id="{C576EB47-28FE-4C3D-B601-12291E432918}" type="datetimeFigureOut">
               <a:rPr lang="zh-CN" altLang="en-US" smtClean="0"/>
               <a:t>2024/3/10</a:t>
             </a:fld>
@@ -671,7 +671,7 @@
           <p:cNvPr id="5" name="页脚占位符 4">
             <a:extLst>
               <a:ext uri="{FF2B5EF4-FFF2-40B4-BE49-F238E27FC236}">
-                <a16:creationId xmlns:a16="http://schemas.microsoft.com/office/drawing/2014/main" id="{52E65AE9-4D4D-88DF-AFD7-335B75035BC5}"/>
+                <a16:creationId xmlns:a16="http://schemas.microsoft.com/office/drawing/2014/main" id="{59188AB4-B360-EEF2-CFC2-6BE30EA46458}"/>
               </a:ext>
             </a:extLst>
           </p:cNvPr>
@@ -696,7 +696,7 @@
           <p:cNvPr id="6" name="灯片编号占位符 5">
             <a:extLst>
               <a:ext uri="{FF2B5EF4-FFF2-40B4-BE49-F238E27FC236}">
-                <a16:creationId xmlns:a16="http://schemas.microsoft.com/office/drawing/2014/main" id="{77BB36F7-C8C4-F446-A6B0-BFBF611F220F}"/>
+                <a16:creationId xmlns:a16="http://schemas.microsoft.com/office/drawing/2014/main" id="{C59966F6-3E12-B47F-440D-D23632A22692}"/>
               </a:ext>
             </a:extLst>
           </p:cNvPr>
@@ -712,7 +712,7 @@
           <a:bodyPr/>
           <a:lstStyle/>
           <a:p>
-            <a:fld id="{D4243E17-13EA-46AB-AB7B-BEFB1047338C}" type="slidenum">
+            <a:fld id="{74F84085-5A91-40A8-9693-073629A69872}" type="slidenum">
               <a:rPr lang="zh-CN" altLang="en-US" smtClean="0"/>
               <a:t>‹#›</a:t>
             </a:fld>
@@ -723,7 +723,7 @@
     </p:spTree>
     <p:extLst>
       <p:ext uri="{BB962C8B-B14F-4D97-AF65-F5344CB8AC3E}">
-        <p14:creationId xmlns:p14="http://schemas.microsoft.com/office/powerpoint/2010/main" val="2673376985"/>
+        <p14:creationId xmlns:p14="http://schemas.microsoft.com/office/powerpoint/2010/main" val="2948463769"/>
       </p:ext>
     </p:extLst>
   </p:cSld>
@@ -755,7 +755,7 @@
           <p:cNvPr id="2" name="标题 1">
             <a:extLst>
               <a:ext uri="{FF2B5EF4-FFF2-40B4-BE49-F238E27FC236}">
-                <a16:creationId xmlns:a16="http://schemas.microsoft.com/office/drawing/2014/main" id="{AA8143FF-4B31-8D83-8360-3EB1D6591F1D}"/>
+                <a16:creationId xmlns:a16="http://schemas.microsoft.com/office/drawing/2014/main" id="{DDB8AC34-5332-4A6F-0A89-32028F81272B}"/>
               </a:ext>
             </a:extLst>
           </p:cNvPr>
@@ -783,7 +783,7 @@
           <p:cNvPr id="3" name="内容占位符 2">
             <a:extLst>
               <a:ext uri="{FF2B5EF4-FFF2-40B4-BE49-F238E27FC236}">
-                <a16:creationId xmlns:a16="http://schemas.microsoft.com/office/drawing/2014/main" id="{9F582037-0BA5-056F-27FE-9BFD3ED905A1}"/>
+                <a16:creationId xmlns:a16="http://schemas.microsoft.com/office/drawing/2014/main" id="{F19FAFF7-4959-150C-5656-1CD232E9D5FA}"/>
               </a:ext>
             </a:extLst>
           </p:cNvPr>
@@ -840,7 +840,7 @@
           <p:cNvPr id="4" name="日期占位符 3">
             <a:extLst>
               <a:ext uri="{FF2B5EF4-FFF2-40B4-BE49-F238E27FC236}">
-                <a16:creationId xmlns:a16="http://schemas.microsoft.com/office/drawing/2014/main" id="{87F64554-41C1-5D4A-DC36-457DF14105C7}"/>
+                <a16:creationId xmlns:a16="http://schemas.microsoft.com/office/drawing/2014/main" id="{D5F76365-29B1-1164-7FCE-01810F3BE27A}"/>
               </a:ext>
             </a:extLst>
           </p:cNvPr>
@@ -856,7 +856,7 @@
           <a:bodyPr/>
           <a:lstStyle/>
           <a:p>
-            <a:fld id="{7DB7A095-B75B-41B9-9485-EA1C9B3F0143}" type="datetimeFigureOut">
+            <a:fld id="{C576EB47-28FE-4C3D-B601-12291E432918}" type="datetimeFigureOut">
               <a:rPr lang="zh-CN" altLang="en-US" smtClean="0"/>
               <a:t>2024/3/10</a:t>
             </a:fld>
@@ -869,7 +869,7 @@
           <p:cNvPr id="5" name="页脚占位符 4">
             <a:extLst>
               <a:ext uri="{FF2B5EF4-FFF2-40B4-BE49-F238E27FC236}">
-                <a16:creationId xmlns:a16="http://schemas.microsoft.com/office/drawing/2014/main" id="{95D17AEE-1C1F-D1FD-3C07-83539E8B23E9}"/>
+                <a16:creationId xmlns:a16="http://schemas.microsoft.com/office/drawing/2014/main" id="{EDD093E6-1318-8790-BEC9-475EE6D0D3FC}"/>
               </a:ext>
             </a:extLst>
           </p:cNvPr>
@@ -894,7 +894,7 @@
           <p:cNvPr id="6" name="灯片编号占位符 5">
             <a:extLst>
               <a:ext uri="{FF2B5EF4-FFF2-40B4-BE49-F238E27FC236}">
-                <a16:creationId xmlns:a16="http://schemas.microsoft.com/office/drawing/2014/main" id="{E1EF0309-01C4-FB5C-3E60-2A426C5BDA06}"/>
+                <a16:creationId xmlns:a16="http://schemas.microsoft.com/office/drawing/2014/main" id="{DBCDBC52-F7CE-9DFE-1090-E2A1C30462C2}"/>
               </a:ext>
             </a:extLst>
           </p:cNvPr>
@@ -910,7 +910,7 @@
           <a:bodyPr/>
           <a:lstStyle/>
           <a:p>
-            <a:fld id="{D4243E17-13EA-46AB-AB7B-BEFB1047338C}" type="slidenum">
+            <a:fld id="{74F84085-5A91-40A8-9693-073629A69872}" type="slidenum">
               <a:rPr lang="zh-CN" altLang="en-US" smtClean="0"/>
               <a:t>‹#›</a:t>
             </a:fld>
@@ -921,7 +921,7 @@
     </p:spTree>
     <p:extLst>
       <p:ext uri="{BB962C8B-B14F-4D97-AF65-F5344CB8AC3E}">
-        <p14:creationId xmlns:p14="http://schemas.microsoft.com/office/powerpoint/2010/main" val="1181947099"/>
+        <p14:creationId xmlns:p14="http://schemas.microsoft.com/office/powerpoint/2010/main" val="2743425971"/>
       </p:ext>
     </p:extLst>
   </p:cSld>
@@ -953,7 +953,7 @@
           <p:cNvPr id="2" name="标题 1">
             <a:extLst>
               <a:ext uri="{FF2B5EF4-FFF2-40B4-BE49-F238E27FC236}">
-                <a16:creationId xmlns:a16="http://schemas.microsoft.com/office/drawing/2014/main" id="{FACC3E00-2448-1672-F532-30AE9FAAEB6D}"/>
+                <a16:creationId xmlns:a16="http://schemas.microsoft.com/office/drawing/2014/main" id="{244DBD09-ABC0-8104-4F0D-C6BD56B3147C}"/>
               </a:ext>
             </a:extLst>
           </p:cNvPr>
@@ -990,7 +990,7 @@
           <p:cNvPr id="3" name="文本占位符 2">
             <a:extLst>
               <a:ext uri="{FF2B5EF4-FFF2-40B4-BE49-F238E27FC236}">
-                <a16:creationId xmlns:a16="http://schemas.microsoft.com/office/drawing/2014/main" id="{554CF9BB-739D-E166-3F5C-AB751E03B263}"/>
+                <a16:creationId xmlns:a16="http://schemas.microsoft.com/office/drawing/2014/main" id="{595CA0F8-06C9-BBD4-2A10-28A2FD25539F}"/>
               </a:ext>
             </a:extLst>
           </p:cNvPr>
@@ -1115,7 +1115,7 @@
           <p:cNvPr id="4" name="日期占位符 3">
             <a:extLst>
               <a:ext uri="{FF2B5EF4-FFF2-40B4-BE49-F238E27FC236}">
-                <a16:creationId xmlns:a16="http://schemas.microsoft.com/office/drawing/2014/main" id="{39300CB1-2CFD-7F1D-CDA4-32FB95ADF9E1}"/>
+                <a16:creationId xmlns:a16="http://schemas.microsoft.com/office/drawing/2014/main" id="{42532EE4-816E-4BC8-81BD-50DF2817478D}"/>
               </a:ext>
             </a:extLst>
           </p:cNvPr>
@@ -1131,7 +1131,7 @@
           <a:bodyPr/>
           <a:lstStyle/>
           <a:p>
-            <a:fld id="{7DB7A095-B75B-41B9-9485-EA1C9B3F0143}" type="datetimeFigureOut">
+            <a:fld id="{C576EB47-28FE-4C3D-B601-12291E432918}" type="datetimeFigureOut">
               <a:rPr lang="zh-CN" altLang="en-US" smtClean="0"/>
               <a:t>2024/3/10</a:t>
             </a:fld>
@@ -1144,7 +1144,7 @@
           <p:cNvPr id="5" name="页脚占位符 4">
             <a:extLst>
               <a:ext uri="{FF2B5EF4-FFF2-40B4-BE49-F238E27FC236}">
-                <a16:creationId xmlns:a16="http://schemas.microsoft.com/office/drawing/2014/main" id="{5723EA6D-A4DD-BB70-63E9-F8C7FFDBD216}"/>
+                <a16:creationId xmlns:a16="http://schemas.microsoft.com/office/drawing/2014/main" id="{9016CAF5-FFCF-46E3-7D61-1C648D2D93A6}"/>
               </a:ext>
             </a:extLst>
           </p:cNvPr>
@@ -1169,7 +1169,7 @@
           <p:cNvPr id="6" name="灯片编号占位符 5">
             <a:extLst>
               <a:ext uri="{FF2B5EF4-FFF2-40B4-BE49-F238E27FC236}">
-                <a16:creationId xmlns:a16="http://schemas.microsoft.com/office/drawing/2014/main" id="{7B97F0E7-567D-CC8C-BC53-2840321D7E9E}"/>
+                <a16:creationId xmlns:a16="http://schemas.microsoft.com/office/drawing/2014/main" id="{4D8B4FFD-0B91-03C3-07BC-206E88A98F4B}"/>
               </a:ext>
             </a:extLst>
           </p:cNvPr>
@@ -1185,7 +1185,7 @@
           <a:bodyPr/>
           <a:lstStyle/>
           <a:p>
-            <a:fld id="{D4243E17-13EA-46AB-AB7B-BEFB1047338C}" type="slidenum">
+            <a:fld id="{74F84085-5A91-40A8-9693-073629A69872}" type="slidenum">
               <a:rPr lang="zh-CN" altLang="en-US" smtClean="0"/>
               <a:t>‹#›</a:t>
             </a:fld>
@@ -1196,7 +1196,7 @@
     </p:spTree>
     <p:extLst>
       <p:ext uri="{BB962C8B-B14F-4D97-AF65-F5344CB8AC3E}">
-        <p14:creationId xmlns:p14="http://schemas.microsoft.com/office/powerpoint/2010/main" val="1329184800"/>
+        <p14:creationId xmlns:p14="http://schemas.microsoft.com/office/powerpoint/2010/main" val="3467905146"/>
       </p:ext>
     </p:extLst>
   </p:cSld>
@@ -1228,7 +1228,7 @@
           <p:cNvPr id="2" name="标题 1">
             <a:extLst>
               <a:ext uri="{FF2B5EF4-FFF2-40B4-BE49-F238E27FC236}">
-                <a16:creationId xmlns:a16="http://schemas.microsoft.com/office/drawing/2014/main" id="{1423CB84-0F4D-8AFE-4185-060E776E47E6}"/>
+                <a16:creationId xmlns:a16="http://schemas.microsoft.com/office/drawing/2014/main" id="{A21937FE-C5B3-ED33-C815-9036F7314C44}"/>
               </a:ext>
             </a:extLst>
           </p:cNvPr>
@@ -1256,7 +1256,7 @@
           <p:cNvPr id="3" name="内容占位符 2">
             <a:extLst>
               <a:ext uri="{FF2B5EF4-FFF2-40B4-BE49-F238E27FC236}">
-                <a16:creationId xmlns:a16="http://schemas.microsoft.com/office/drawing/2014/main" id="{5FF580AC-7AD3-1527-D089-A5DC399BF7C4}"/>
+                <a16:creationId xmlns:a16="http://schemas.microsoft.com/office/drawing/2014/main" id="{6B1E2659-29CC-7506-E757-9AF3353E7F3D}"/>
               </a:ext>
             </a:extLst>
           </p:cNvPr>
@@ -1318,7 +1318,7 @@
           <p:cNvPr id="4" name="内容占位符 3">
             <a:extLst>
               <a:ext uri="{FF2B5EF4-FFF2-40B4-BE49-F238E27FC236}">
-                <a16:creationId xmlns:a16="http://schemas.microsoft.com/office/drawing/2014/main" id="{CF1EA933-69BF-3288-3223-C3EA5F1FDA99}"/>
+                <a16:creationId xmlns:a16="http://schemas.microsoft.com/office/drawing/2014/main" id="{AE235238-3D79-B9A8-168E-E010638A92F6}"/>
               </a:ext>
             </a:extLst>
           </p:cNvPr>
@@ -1380,7 +1380,7 @@
           <p:cNvPr id="5" name="日期占位符 4">
             <a:extLst>
               <a:ext uri="{FF2B5EF4-FFF2-40B4-BE49-F238E27FC236}">
-                <a16:creationId xmlns:a16="http://schemas.microsoft.com/office/drawing/2014/main" id="{68E0631B-CD36-7D19-81E1-9F52303CE8DE}"/>
+                <a16:creationId xmlns:a16="http://schemas.microsoft.com/office/drawing/2014/main" id="{1963F4EB-2095-5DEB-2DE2-68F9E9828E63}"/>
               </a:ext>
             </a:extLst>
           </p:cNvPr>
@@ -1396,7 +1396,7 @@
           <a:bodyPr/>
           <a:lstStyle/>
           <a:p>
-            <a:fld id="{7DB7A095-B75B-41B9-9485-EA1C9B3F0143}" type="datetimeFigureOut">
+            <a:fld id="{C576EB47-28FE-4C3D-B601-12291E432918}" type="datetimeFigureOut">
               <a:rPr lang="zh-CN" altLang="en-US" smtClean="0"/>
               <a:t>2024/3/10</a:t>
             </a:fld>
@@ -1409,7 +1409,7 @@
           <p:cNvPr id="6" name="页脚占位符 5">
             <a:extLst>
               <a:ext uri="{FF2B5EF4-FFF2-40B4-BE49-F238E27FC236}">
-                <a16:creationId xmlns:a16="http://schemas.microsoft.com/office/drawing/2014/main" id="{ABAF98A9-168E-21A5-C1AD-B65573DE997D}"/>
+                <a16:creationId xmlns:a16="http://schemas.microsoft.com/office/drawing/2014/main" id="{A183F8FD-E83E-74B2-A3FA-326790454547}"/>
               </a:ext>
             </a:extLst>
           </p:cNvPr>
@@ -1434,7 +1434,7 @@
           <p:cNvPr id="7" name="灯片编号占位符 6">
             <a:extLst>
               <a:ext uri="{FF2B5EF4-FFF2-40B4-BE49-F238E27FC236}">
-                <a16:creationId xmlns:a16="http://schemas.microsoft.com/office/drawing/2014/main" id="{7C2C60D4-6AF2-1665-520B-CDFD2F227A36}"/>
+                <a16:creationId xmlns:a16="http://schemas.microsoft.com/office/drawing/2014/main" id="{F0BC0B10-D730-1635-A70A-2E2567143AC2}"/>
               </a:ext>
             </a:extLst>
           </p:cNvPr>
@@ -1450,7 +1450,7 @@
           <a:bodyPr/>
           <a:lstStyle/>
           <a:p>
-            <a:fld id="{D4243E17-13EA-46AB-AB7B-BEFB1047338C}" type="slidenum">
+            <a:fld id="{74F84085-5A91-40A8-9693-073629A69872}" type="slidenum">
               <a:rPr lang="zh-CN" altLang="en-US" smtClean="0"/>
               <a:t>‹#›</a:t>
             </a:fld>
@@ -1461,7 +1461,7 @@
     </p:spTree>
     <p:extLst>
       <p:ext uri="{BB962C8B-B14F-4D97-AF65-F5344CB8AC3E}">
-        <p14:creationId xmlns:p14="http://schemas.microsoft.com/office/powerpoint/2010/main" val="4194194456"/>
+        <p14:creationId xmlns:p14="http://schemas.microsoft.com/office/powerpoint/2010/main" val="2238523799"/>
       </p:ext>
     </p:extLst>
   </p:cSld>
@@ -1493,7 +1493,7 @@
           <p:cNvPr id="2" name="标题 1">
             <a:extLst>
               <a:ext uri="{FF2B5EF4-FFF2-40B4-BE49-F238E27FC236}">
-                <a16:creationId xmlns:a16="http://schemas.microsoft.com/office/drawing/2014/main" id="{44CBE868-F1D4-B40B-7A47-3FDD7DAF7254}"/>
+                <a16:creationId xmlns:a16="http://schemas.microsoft.com/office/drawing/2014/main" id="{2D3D5953-DD44-E47D-97AE-CC36331242BD}"/>
               </a:ext>
             </a:extLst>
           </p:cNvPr>
@@ -1526,7 +1526,7 @@
           <p:cNvPr id="3" name="文本占位符 2">
             <a:extLst>
               <a:ext uri="{FF2B5EF4-FFF2-40B4-BE49-F238E27FC236}">
-                <a16:creationId xmlns:a16="http://schemas.microsoft.com/office/drawing/2014/main" id="{65FB44A6-2E3D-CB23-9C54-675A065F5EF0}"/>
+                <a16:creationId xmlns:a16="http://schemas.microsoft.com/office/drawing/2014/main" id="{D93B4F20-FEF5-D842-0976-D42765D2102F}"/>
               </a:ext>
             </a:extLst>
           </p:cNvPr>
@@ -1597,7 +1597,7 @@
           <p:cNvPr id="4" name="内容占位符 3">
             <a:extLst>
               <a:ext uri="{FF2B5EF4-FFF2-40B4-BE49-F238E27FC236}">
-                <a16:creationId xmlns:a16="http://schemas.microsoft.com/office/drawing/2014/main" id="{A677F09C-CE5F-F949-B7F9-04C956ADA81B}"/>
+                <a16:creationId xmlns:a16="http://schemas.microsoft.com/office/drawing/2014/main" id="{8A1B9906-00F6-ED65-773E-7BD3CC751A2B}"/>
               </a:ext>
             </a:extLst>
           </p:cNvPr>
@@ -1659,7 +1659,7 @@
           <p:cNvPr id="5" name="文本占位符 4">
             <a:extLst>
               <a:ext uri="{FF2B5EF4-FFF2-40B4-BE49-F238E27FC236}">
-                <a16:creationId xmlns:a16="http://schemas.microsoft.com/office/drawing/2014/main" id="{16EED5C0-0F1A-2137-1B69-1A7EC8F7CE09}"/>
+                <a16:creationId xmlns:a16="http://schemas.microsoft.com/office/drawing/2014/main" id="{0F2C81DB-132E-A521-6FD3-789A2E9FB9E4}"/>
               </a:ext>
             </a:extLst>
           </p:cNvPr>
@@ -1730,7 +1730,7 @@
           <p:cNvPr id="6" name="内容占位符 5">
             <a:extLst>
               <a:ext uri="{FF2B5EF4-FFF2-40B4-BE49-F238E27FC236}">
-                <a16:creationId xmlns:a16="http://schemas.microsoft.com/office/drawing/2014/main" id="{705EFD81-6152-4C76-26D1-B2A9054B32C8}"/>
+                <a16:creationId xmlns:a16="http://schemas.microsoft.com/office/drawing/2014/main" id="{6D0216B1-2EB7-46D0-E2E9-85246EBFAA2B}"/>
               </a:ext>
             </a:extLst>
           </p:cNvPr>
@@ -1792,7 +1792,7 @@
           <p:cNvPr id="7" name="日期占位符 6">
             <a:extLst>
               <a:ext uri="{FF2B5EF4-FFF2-40B4-BE49-F238E27FC236}">
-                <a16:creationId xmlns:a16="http://schemas.microsoft.com/office/drawing/2014/main" id="{FD163609-C395-4F77-2330-0E0077694773}"/>
+                <a16:creationId xmlns:a16="http://schemas.microsoft.com/office/drawing/2014/main" id="{F7EF91FF-A56C-73C2-EBAE-DE9C2A50E8DC}"/>
               </a:ext>
             </a:extLst>
           </p:cNvPr>
@@ -1808,7 +1808,7 @@
           <a:bodyPr/>
           <a:lstStyle/>
           <a:p>
-            <a:fld id="{7DB7A095-B75B-41B9-9485-EA1C9B3F0143}" type="datetimeFigureOut">
+            <a:fld id="{C576EB47-28FE-4C3D-B601-12291E432918}" type="datetimeFigureOut">
               <a:rPr lang="zh-CN" altLang="en-US" smtClean="0"/>
               <a:t>2024/3/10</a:t>
             </a:fld>
@@ -1821,7 +1821,7 @@
           <p:cNvPr id="8" name="页脚占位符 7">
             <a:extLst>
               <a:ext uri="{FF2B5EF4-FFF2-40B4-BE49-F238E27FC236}">
-                <a16:creationId xmlns:a16="http://schemas.microsoft.com/office/drawing/2014/main" id="{02BD86E0-0A8F-C917-91EF-242B3AF6EDE6}"/>
+                <a16:creationId xmlns:a16="http://schemas.microsoft.com/office/drawing/2014/main" id="{FCDEBBCC-AB9F-4FC3-F7B5-6C728BBCD830}"/>
               </a:ext>
             </a:extLst>
           </p:cNvPr>
@@ -1846,7 +1846,7 @@
           <p:cNvPr id="9" name="灯片编号占位符 8">
             <a:extLst>
               <a:ext uri="{FF2B5EF4-FFF2-40B4-BE49-F238E27FC236}">
-                <a16:creationId xmlns:a16="http://schemas.microsoft.com/office/drawing/2014/main" id="{0CE01B30-F7D1-7470-BFFB-6F764B4ADEAE}"/>
+                <a16:creationId xmlns:a16="http://schemas.microsoft.com/office/drawing/2014/main" id="{070E34E7-F77D-A906-0BB1-90BAC5DDF0EB}"/>
               </a:ext>
             </a:extLst>
           </p:cNvPr>
@@ -1862,7 +1862,7 @@
           <a:bodyPr/>
           <a:lstStyle/>
           <a:p>
-            <a:fld id="{D4243E17-13EA-46AB-AB7B-BEFB1047338C}" type="slidenum">
+            <a:fld id="{74F84085-5A91-40A8-9693-073629A69872}" type="slidenum">
               <a:rPr lang="zh-CN" altLang="en-US" smtClean="0"/>
               <a:t>‹#›</a:t>
             </a:fld>
@@ -1873,7 +1873,7 @@
     </p:spTree>
     <p:extLst>
       <p:ext uri="{BB962C8B-B14F-4D97-AF65-F5344CB8AC3E}">
-        <p14:creationId xmlns:p14="http://schemas.microsoft.com/office/powerpoint/2010/main" val="2664925563"/>
+        <p14:creationId xmlns:p14="http://schemas.microsoft.com/office/powerpoint/2010/main" val="354799160"/>
       </p:ext>
     </p:extLst>
   </p:cSld>
@@ -1905,7 +1905,7 @@
           <p:cNvPr id="2" name="标题 1">
             <a:extLst>
               <a:ext uri="{FF2B5EF4-FFF2-40B4-BE49-F238E27FC236}">
-                <a16:creationId xmlns:a16="http://schemas.microsoft.com/office/drawing/2014/main" id="{E6635B1E-FF42-9ABF-5F23-5F09F4B3E2F7}"/>
+                <a16:creationId xmlns:a16="http://schemas.microsoft.com/office/drawing/2014/main" id="{AF5797AC-DF72-1AF6-40AF-B4D0E0F782B5}"/>
               </a:ext>
             </a:extLst>
           </p:cNvPr>
@@ -1933,7 +1933,7 @@
           <p:cNvPr id="3" name="日期占位符 2">
             <a:extLst>
               <a:ext uri="{FF2B5EF4-FFF2-40B4-BE49-F238E27FC236}">
-                <a16:creationId xmlns:a16="http://schemas.microsoft.com/office/drawing/2014/main" id="{7761D425-8685-267C-0069-C2C92C8563AC}"/>
+                <a16:creationId xmlns:a16="http://schemas.microsoft.com/office/drawing/2014/main" id="{C2114D0E-B731-D419-20D4-DDD730D62984}"/>
               </a:ext>
             </a:extLst>
           </p:cNvPr>
@@ -1949,7 +1949,7 @@
           <a:bodyPr/>
           <a:lstStyle/>
           <a:p>
-            <a:fld id="{7DB7A095-B75B-41B9-9485-EA1C9B3F0143}" type="datetimeFigureOut">
+            <a:fld id="{C576EB47-28FE-4C3D-B601-12291E432918}" type="datetimeFigureOut">
               <a:rPr lang="zh-CN" altLang="en-US" smtClean="0"/>
               <a:t>2024/3/10</a:t>
             </a:fld>
@@ -1962,7 +1962,7 @@
           <p:cNvPr id="4" name="页脚占位符 3">
             <a:extLst>
               <a:ext uri="{FF2B5EF4-FFF2-40B4-BE49-F238E27FC236}">
-                <a16:creationId xmlns:a16="http://schemas.microsoft.com/office/drawing/2014/main" id="{F817415C-A8E7-AFE4-2403-125B5CF350C9}"/>
+                <a16:creationId xmlns:a16="http://schemas.microsoft.com/office/drawing/2014/main" id="{14EA38BC-DB8B-2949-EE12-D4B25BDA0F3A}"/>
               </a:ext>
             </a:extLst>
           </p:cNvPr>
@@ -1987,7 +1987,7 @@
           <p:cNvPr id="5" name="灯片编号占位符 4">
             <a:extLst>
               <a:ext uri="{FF2B5EF4-FFF2-40B4-BE49-F238E27FC236}">
-                <a16:creationId xmlns:a16="http://schemas.microsoft.com/office/drawing/2014/main" id="{3113F81B-F057-7524-FF63-85B4C29F8415}"/>
+                <a16:creationId xmlns:a16="http://schemas.microsoft.com/office/drawing/2014/main" id="{898463B6-AD39-CBFF-3B20-72386914A4FC}"/>
               </a:ext>
             </a:extLst>
           </p:cNvPr>
@@ -2003,7 +2003,7 @@
           <a:bodyPr/>
           <a:lstStyle/>
           <a:p>
-            <a:fld id="{D4243E17-13EA-46AB-AB7B-BEFB1047338C}" type="slidenum">
+            <a:fld id="{74F84085-5A91-40A8-9693-073629A69872}" type="slidenum">
               <a:rPr lang="zh-CN" altLang="en-US" smtClean="0"/>
               <a:t>‹#›</a:t>
             </a:fld>
@@ -2014,7 +2014,7 @@
     </p:spTree>
     <p:extLst>
       <p:ext uri="{BB962C8B-B14F-4D97-AF65-F5344CB8AC3E}">
-        <p14:creationId xmlns:p14="http://schemas.microsoft.com/office/powerpoint/2010/main" val="2109080231"/>
+        <p14:creationId xmlns:p14="http://schemas.microsoft.com/office/powerpoint/2010/main" val="3533554133"/>
       </p:ext>
     </p:extLst>
   </p:cSld>
@@ -2046,7 +2046,7 @@
           <p:cNvPr id="2" name="日期占位符 1">
             <a:extLst>
               <a:ext uri="{FF2B5EF4-FFF2-40B4-BE49-F238E27FC236}">
-                <a16:creationId xmlns:a16="http://schemas.microsoft.com/office/drawing/2014/main" id="{83A567F4-2B4B-31F4-C359-64085C09BA7E}"/>
+                <a16:creationId xmlns:a16="http://schemas.microsoft.com/office/drawing/2014/main" id="{C7FB0536-583A-47D2-3309-43202218A9CB}"/>
               </a:ext>
             </a:extLst>
           </p:cNvPr>
@@ -2062,7 +2062,7 @@
           <a:bodyPr/>
           <a:lstStyle/>
           <a:p>
-            <a:fld id="{7DB7A095-B75B-41B9-9485-EA1C9B3F0143}" type="datetimeFigureOut">
+            <a:fld id="{C576EB47-28FE-4C3D-B601-12291E432918}" type="datetimeFigureOut">
               <a:rPr lang="zh-CN" altLang="en-US" smtClean="0"/>
               <a:t>2024/3/10</a:t>
             </a:fld>
@@ -2075,7 +2075,7 @@
           <p:cNvPr id="3" name="页脚占位符 2">
             <a:extLst>
               <a:ext uri="{FF2B5EF4-FFF2-40B4-BE49-F238E27FC236}">
-                <a16:creationId xmlns:a16="http://schemas.microsoft.com/office/drawing/2014/main" id="{C6CD01F2-38CE-D2BB-DE82-784BEDC8DC77}"/>
+                <a16:creationId xmlns:a16="http://schemas.microsoft.com/office/drawing/2014/main" id="{F9A14B0A-E75A-2119-BD28-B3392820AE62}"/>
               </a:ext>
             </a:extLst>
           </p:cNvPr>
@@ -2100,7 +2100,7 @@
           <p:cNvPr id="4" name="灯片编号占位符 3">
             <a:extLst>
               <a:ext uri="{FF2B5EF4-FFF2-40B4-BE49-F238E27FC236}">
-                <a16:creationId xmlns:a16="http://schemas.microsoft.com/office/drawing/2014/main" id="{36AF2382-FD6E-097D-F1FB-C35A7B49262F}"/>
+                <a16:creationId xmlns:a16="http://schemas.microsoft.com/office/drawing/2014/main" id="{87CC5510-3D8C-F688-E241-61519E2F04B8}"/>
               </a:ext>
             </a:extLst>
           </p:cNvPr>
@@ -2116,7 +2116,7 @@
           <a:bodyPr/>
           <a:lstStyle/>
           <a:p>
-            <a:fld id="{D4243E17-13EA-46AB-AB7B-BEFB1047338C}" type="slidenum">
+            <a:fld id="{74F84085-5A91-40A8-9693-073629A69872}" type="slidenum">
               <a:rPr lang="zh-CN" altLang="en-US" smtClean="0"/>
               <a:t>‹#›</a:t>
             </a:fld>
@@ -2127,7 +2127,7 @@
     </p:spTree>
     <p:extLst>
       <p:ext uri="{BB962C8B-B14F-4D97-AF65-F5344CB8AC3E}">
-        <p14:creationId xmlns:p14="http://schemas.microsoft.com/office/powerpoint/2010/main" val="3756758120"/>
+        <p14:creationId xmlns:p14="http://schemas.microsoft.com/office/powerpoint/2010/main" val="2348114206"/>
       </p:ext>
     </p:extLst>
   </p:cSld>
@@ -2159,7 +2159,7 @@
           <p:cNvPr id="2" name="标题 1">
             <a:extLst>
               <a:ext uri="{FF2B5EF4-FFF2-40B4-BE49-F238E27FC236}">
-                <a16:creationId xmlns:a16="http://schemas.microsoft.com/office/drawing/2014/main" id="{C1EEB699-FE6C-400D-42A0-DC28D33CF875}"/>
+                <a16:creationId xmlns:a16="http://schemas.microsoft.com/office/drawing/2014/main" id="{9892F4E8-97A6-B454-4E6F-B8393F75295B}"/>
               </a:ext>
             </a:extLst>
           </p:cNvPr>
@@ -2196,7 +2196,7 @@
           <p:cNvPr id="3" name="内容占位符 2">
             <a:extLst>
               <a:ext uri="{FF2B5EF4-FFF2-40B4-BE49-F238E27FC236}">
-                <a16:creationId xmlns:a16="http://schemas.microsoft.com/office/drawing/2014/main" id="{CD8EFF7A-4050-74CF-78DF-6B575A098431}"/>
+                <a16:creationId xmlns:a16="http://schemas.microsoft.com/office/drawing/2014/main" id="{6115A261-F1D3-B983-F5BF-D695098F2A48}"/>
               </a:ext>
             </a:extLst>
           </p:cNvPr>
@@ -2286,7 +2286,7 @@
           <p:cNvPr id="4" name="文本占位符 3">
             <a:extLst>
               <a:ext uri="{FF2B5EF4-FFF2-40B4-BE49-F238E27FC236}">
-                <a16:creationId xmlns:a16="http://schemas.microsoft.com/office/drawing/2014/main" id="{A06E69F4-55A4-DDA0-7145-F0C1029A4AF3}"/>
+                <a16:creationId xmlns:a16="http://schemas.microsoft.com/office/drawing/2014/main" id="{8D647ADB-A67D-7D0B-20FC-1ADA012E8E94}"/>
               </a:ext>
             </a:extLst>
           </p:cNvPr>
@@ -2357,7 +2357,7 @@
           <p:cNvPr id="5" name="日期占位符 4">
             <a:extLst>
               <a:ext uri="{FF2B5EF4-FFF2-40B4-BE49-F238E27FC236}">
-                <a16:creationId xmlns:a16="http://schemas.microsoft.com/office/drawing/2014/main" id="{EA2F4B12-E0A4-CAFA-01D9-85E31AB7BB90}"/>
+                <a16:creationId xmlns:a16="http://schemas.microsoft.com/office/drawing/2014/main" id="{A42C6BB9-0E1C-5EFA-9A54-73532A4839D2}"/>
               </a:ext>
             </a:extLst>
           </p:cNvPr>
@@ -2373,7 +2373,7 @@
           <a:bodyPr/>
           <a:lstStyle/>
           <a:p>
-            <a:fld id="{7DB7A095-B75B-41B9-9485-EA1C9B3F0143}" type="datetimeFigureOut">
+            <a:fld id="{C576EB47-28FE-4C3D-B601-12291E432918}" type="datetimeFigureOut">
               <a:rPr lang="zh-CN" altLang="en-US" smtClean="0"/>
               <a:t>2024/3/10</a:t>
             </a:fld>
@@ -2386,7 +2386,7 @@
           <p:cNvPr id="6" name="页脚占位符 5">
             <a:extLst>
               <a:ext uri="{FF2B5EF4-FFF2-40B4-BE49-F238E27FC236}">
-                <a16:creationId xmlns:a16="http://schemas.microsoft.com/office/drawing/2014/main" id="{05CFEECF-A964-85AA-D099-1E6C1AEF2E71}"/>
+                <a16:creationId xmlns:a16="http://schemas.microsoft.com/office/drawing/2014/main" id="{E5C4AA5A-9B84-E5B5-5ED9-A41AA0F21DD5}"/>
               </a:ext>
             </a:extLst>
           </p:cNvPr>
@@ -2411,7 +2411,7 @@
           <p:cNvPr id="7" name="灯片编号占位符 6">
             <a:extLst>
               <a:ext uri="{FF2B5EF4-FFF2-40B4-BE49-F238E27FC236}">
-                <a16:creationId xmlns:a16="http://schemas.microsoft.com/office/drawing/2014/main" id="{CB7B5A90-5CD0-E6E5-526C-0DBAFA815087}"/>
+                <a16:creationId xmlns:a16="http://schemas.microsoft.com/office/drawing/2014/main" id="{600ADE30-E8DA-3828-24BF-2AC3311CFF76}"/>
               </a:ext>
             </a:extLst>
           </p:cNvPr>
@@ -2427,7 +2427,7 @@
           <a:bodyPr/>
           <a:lstStyle/>
           <a:p>
-            <a:fld id="{D4243E17-13EA-46AB-AB7B-BEFB1047338C}" type="slidenum">
+            <a:fld id="{74F84085-5A91-40A8-9693-073629A69872}" type="slidenum">
               <a:rPr lang="zh-CN" altLang="en-US" smtClean="0"/>
               <a:t>‹#›</a:t>
             </a:fld>
@@ -2438,7 +2438,7 @@
     </p:spTree>
     <p:extLst>
       <p:ext uri="{BB962C8B-B14F-4D97-AF65-F5344CB8AC3E}">
-        <p14:creationId xmlns:p14="http://schemas.microsoft.com/office/powerpoint/2010/main" val="358846384"/>
+        <p14:creationId xmlns:p14="http://schemas.microsoft.com/office/powerpoint/2010/main" val="2727702906"/>
       </p:ext>
     </p:extLst>
   </p:cSld>
@@ -2470,7 +2470,7 @@
           <p:cNvPr id="2" name="标题 1">
             <a:extLst>
               <a:ext uri="{FF2B5EF4-FFF2-40B4-BE49-F238E27FC236}">
-                <a16:creationId xmlns:a16="http://schemas.microsoft.com/office/drawing/2014/main" id="{D6AD2B74-DF1F-D5DF-79FB-146298F779F0}"/>
+                <a16:creationId xmlns:a16="http://schemas.microsoft.com/office/drawing/2014/main" id="{5B21C78E-6822-EA31-0AE7-8F5F5493A87D}"/>
               </a:ext>
             </a:extLst>
           </p:cNvPr>
@@ -2507,7 +2507,7 @@
           <p:cNvPr id="3" name="图片占位符 2">
             <a:extLst>
               <a:ext uri="{FF2B5EF4-FFF2-40B4-BE49-F238E27FC236}">
-                <a16:creationId xmlns:a16="http://schemas.microsoft.com/office/drawing/2014/main" id="{0C488748-47BF-85B2-C722-9DB884BF5115}"/>
+                <a16:creationId xmlns:a16="http://schemas.microsoft.com/office/drawing/2014/main" id="{F017B29F-F594-CA29-81ED-A1FB2E3AC3F8}"/>
               </a:ext>
             </a:extLst>
           </p:cNvPr>
@@ -2574,7 +2574,7 @@
           <p:cNvPr id="4" name="文本占位符 3">
             <a:extLst>
               <a:ext uri="{FF2B5EF4-FFF2-40B4-BE49-F238E27FC236}">
-                <a16:creationId xmlns:a16="http://schemas.microsoft.com/office/drawing/2014/main" id="{3D0FBD44-E7B8-9110-157C-EAB0C77AF8FC}"/>
+                <a16:creationId xmlns:a16="http://schemas.microsoft.com/office/drawing/2014/main" id="{55B82CE1-A53E-BC72-1D5A-747FDEF692D2}"/>
               </a:ext>
             </a:extLst>
           </p:cNvPr>
@@ -2645,7 +2645,7 @@
           <p:cNvPr id="5" name="日期占位符 4">
             <a:extLst>
               <a:ext uri="{FF2B5EF4-FFF2-40B4-BE49-F238E27FC236}">
-                <a16:creationId xmlns:a16="http://schemas.microsoft.com/office/drawing/2014/main" id="{0B836C1D-F4B4-089B-AB9E-9E269D305BC5}"/>
+                <a16:creationId xmlns:a16="http://schemas.microsoft.com/office/drawing/2014/main" id="{F7484D9F-4F5B-EC5F-33A2-9142F59FF332}"/>
               </a:ext>
             </a:extLst>
           </p:cNvPr>
@@ -2661,7 +2661,7 @@
           <a:bodyPr/>
           <a:lstStyle/>
           <a:p>
-            <a:fld id="{7DB7A095-B75B-41B9-9485-EA1C9B3F0143}" type="datetimeFigureOut">
+            <a:fld id="{C576EB47-28FE-4C3D-B601-12291E432918}" type="datetimeFigureOut">
               <a:rPr lang="zh-CN" altLang="en-US" smtClean="0"/>
               <a:t>2024/3/10</a:t>
             </a:fld>
@@ -2674,7 +2674,7 @@
           <p:cNvPr id="6" name="页脚占位符 5">
             <a:extLst>
               <a:ext uri="{FF2B5EF4-FFF2-40B4-BE49-F238E27FC236}">
-                <a16:creationId xmlns:a16="http://schemas.microsoft.com/office/drawing/2014/main" id="{6DDAB4B3-C0F5-EDD6-4E8D-3B619BA60F99}"/>
+                <a16:creationId xmlns:a16="http://schemas.microsoft.com/office/drawing/2014/main" id="{350CC6AF-8AE5-2E3C-7CFB-793C0945287D}"/>
               </a:ext>
             </a:extLst>
           </p:cNvPr>
@@ -2699,7 +2699,7 @@
           <p:cNvPr id="7" name="灯片编号占位符 6">
             <a:extLst>
               <a:ext uri="{FF2B5EF4-FFF2-40B4-BE49-F238E27FC236}">
-                <a16:creationId xmlns:a16="http://schemas.microsoft.com/office/drawing/2014/main" id="{0496CBD3-9459-2D58-71DE-A32829D6B76B}"/>
+                <a16:creationId xmlns:a16="http://schemas.microsoft.com/office/drawing/2014/main" id="{1DA7EC36-102A-925B-F5F7-6FA6357E1A72}"/>
               </a:ext>
             </a:extLst>
           </p:cNvPr>
@@ -2715,7 +2715,7 @@
           <a:bodyPr/>
           <a:lstStyle/>
           <a:p>
-            <a:fld id="{D4243E17-13EA-46AB-AB7B-BEFB1047338C}" type="slidenum">
+            <a:fld id="{74F84085-5A91-40A8-9693-073629A69872}" type="slidenum">
               <a:rPr lang="zh-CN" altLang="en-US" smtClean="0"/>
               <a:t>‹#›</a:t>
             </a:fld>
@@ -2726,7 +2726,7 @@
     </p:spTree>
     <p:extLst>
       <p:ext uri="{BB962C8B-B14F-4D97-AF65-F5344CB8AC3E}">
-        <p14:creationId xmlns:p14="http://schemas.microsoft.com/office/powerpoint/2010/main" val="2816492944"/>
+        <p14:creationId xmlns:p14="http://schemas.microsoft.com/office/powerpoint/2010/main" val="2350385108"/>
       </p:ext>
     </p:extLst>
   </p:cSld>
@@ -2763,7 +2763,7 @@
           <p:cNvPr id="2" name="标题占位符 1">
             <a:extLst>
               <a:ext uri="{FF2B5EF4-FFF2-40B4-BE49-F238E27FC236}">
-                <a16:creationId xmlns:a16="http://schemas.microsoft.com/office/drawing/2014/main" id="{F521D75E-1620-0214-0476-07DAF909E769}"/>
+                <a16:creationId xmlns:a16="http://schemas.microsoft.com/office/drawing/2014/main" id="{3721FFDD-98D7-6404-B922-A5FB1E85DC4A}"/>
               </a:ext>
             </a:extLst>
           </p:cNvPr>
@@ -2801,7 +2801,7 @@
           <p:cNvPr id="3" name="文本占位符 2">
             <a:extLst>
               <a:ext uri="{FF2B5EF4-FFF2-40B4-BE49-F238E27FC236}">
-                <a16:creationId xmlns:a16="http://schemas.microsoft.com/office/drawing/2014/main" id="{6BC2EEB3-C576-1B79-9EB8-DF9FACF37D7E}"/>
+                <a16:creationId xmlns:a16="http://schemas.microsoft.com/office/drawing/2014/main" id="{AA2BF3CD-3CC7-A6DF-175D-C9A679BDA0E2}"/>
               </a:ext>
             </a:extLst>
           </p:cNvPr>
@@ -2868,7 +2868,7 @@
           <p:cNvPr id="4" name="日期占位符 3">
             <a:extLst>
               <a:ext uri="{FF2B5EF4-FFF2-40B4-BE49-F238E27FC236}">
-                <a16:creationId xmlns:a16="http://schemas.microsoft.com/office/drawing/2014/main" id="{6AC8CB0B-C825-D1B9-CC21-C80F12391213}"/>
+                <a16:creationId xmlns:a16="http://schemas.microsoft.com/office/drawing/2014/main" id="{5A8B4E34-65C5-5C5C-7C1D-1B6C8616C0C9}"/>
               </a:ext>
             </a:extLst>
           </p:cNvPr>
@@ -2902,7 +2902,7 @@
             </a:lvl1pPr>
           </a:lstStyle>
           <a:p>
-            <a:fld id="{7DB7A095-B75B-41B9-9485-EA1C9B3F0143}" type="datetimeFigureOut">
+            <a:fld id="{C576EB47-28FE-4C3D-B601-12291E432918}" type="datetimeFigureOut">
               <a:rPr lang="zh-CN" altLang="en-US" smtClean="0"/>
               <a:t>2024/3/10</a:t>
             </a:fld>
@@ -2915,7 +2915,7 @@
           <p:cNvPr id="5" name="页脚占位符 4">
             <a:extLst>
               <a:ext uri="{FF2B5EF4-FFF2-40B4-BE49-F238E27FC236}">
-                <a16:creationId xmlns:a16="http://schemas.microsoft.com/office/drawing/2014/main" id="{9A7812BE-F934-9B85-B0F0-EDFA4D365E14}"/>
+                <a16:creationId xmlns:a16="http://schemas.microsoft.com/office/drawing/2014/main" id="{17555D2B-6FE8-1A53-0182-0BAD28E98059}"/>
               </a:ext>
             </a:extLst>
           </p:cNvPr>
@@ -2958,7 +2958,7 @@
           <p:cNvPr id="6" name="灯片编号占位符 5">
             <a:extLst>
               <a:ext uri="{FF2B5EF4-FFF2-40B4-BE49-F238E27FC236}">
-                <a16:creationId xmlns:a16="http://schemas.microsoft.com/office/drawing/2014/main" id="{C49A71B1-EDF2-87C0-58A2-B515D86B353D}"/>
+                <a16:creationId xmlns:a16="http://schemas.microsoft.com/office/drawing/2014/main" id="{8529B6BB-FC79-678F-CCAB-F8699FD81779}"/>
               </a:ext>
             </a:extLst>
           </p:cNvPr>
@@ -2992,7 +2992,7 @@
             </a:lvl1pPr>
           </a:lstStyle>
           <a:p>
-            <a:fld id="{D4243E17-13EA-46AB-AB7B-BEFB1047338C}" type="slidenum">
+            <a:fld id="{74F84085-5A91-40A8-9693-073629A69872}" type="slidenum">
               <a:rPr lang="zh-CN" altLang="en-US" smtClean="0"/>
               <a:t>‹#›</a:t>
             </a:fld>
@@ -3003,7 +3003,7 @@
     </p:spTree>
     <p:extLst>
       <p:ext uri="{BB962C8B-B14F-4D97-AF65-F5344CB8AC3E}">
-        <p14:creationId xmlns:p14="http://schemas.microsoft.com/office/powerpoint/2010/main" val="1262173289"/>
+        <p14:creationId xmlns:p14="http://schemas.microsoft.com/office/powerpoint/2010/main" val="3423719834"/>
       </p:ext>
     </p:extLst>
   </p:cSld>
@@ -3323,7 +3323,7 @@
       </p:grpSpPr>
       <p:pic>
         <p:nvPicPr>
-          <p:cNvPr id="464898" name="Picture 2" descr="453"/>
+          <p:cNvPr id="465922" name="Picture 2" descr="454"/>
           <p:cNvPicPr>
             <a:picLocks noChangeAspect="1" noChangeArrowheads="1"/>
           </p:cNvPicPr>
